--- a/images/Schedule.pptx
+++ b/images/Schedule.pptx
@@ -261,7 +261,7 @@
           <a:p>
             <a:fld id="{BC3AE97E-DD58-459F-B24D-F11BEFE04F43}" type="datetimeFigureOut">
               <a:rPr lang="de-CH" smtClean="0"/>
-              <a:t>14.03.2019</a:t>
+              <a:t>23.04.2019</a:t>
             </a:fld>
             <a:endParaRPr lang="de-CH"/>
           </a:p>
@@ -461,7 +461,7 @@
           <a:p>
             <a:fld id="{BC3AE97E-DD58-459F-B24D-F11BEFE04F43}" type="datetimeFigureOut">
               <a:rPr lang="de-CH" smtClean="0"/>
-              <a:t>14.03.2019</a:t>
+              <a:t>23.04.2019</a:t>
             </a:fld>
             <a:endParaRPr lang="de-CH"/>
           </a:p>
@@ -671,7 +671,7 @@
           <a:p>
             <a:fld id="{BC3AE97E-DD58-459F-B24D-F11BEFE04F43}" type="datetimeFigureOut">
               <a:rPr lang="de-CH" smtClean="0"/>
-              <a:t>14.03.2019</a:t>
+              <a:t>23.04.2019</a:t>
             </a:fld>
             <a:endParaRPr lang="de-CH"/>
           </a:p>
@@ -871,7 +871,7 @@
           <a:p>
             <a:fld id="{BC3AE97E-DD58-459F-B24D-F11BEFE04F43}" type="datetimeFigureOut">
               <a:rPr lang="de-CH" smtClean="0"/>
-              <a:t>14.03.2019</a:t>
+              <a:t>23.04.2019</a:t>
             </a:fld>
             <a:endParaRPr lang="de-CH"/>
           </a:p>
@@ -1147,7 +1147,7 @@
           <a:p>
             <a:fld id="{BC3AE97E-DD58-459F-B24D-F11BEFE04F43}" type="datetimeFigureOut">
               <a:rPr lang="de-CH" smtClean="0"/>
-              <a:t>14.03.2019</a:t>
+              <a:t>23.04.2019</a:t>
             </a:fld>
             <a:endParaRPr lang="de-CH"/>
           </a:p>
@@ -1415,7 +1415,7 @@
           <a:p>
             <a:fld id="{BC3AE97E-DD58-459F-B24D-F11BEFE04F43}" type="datetimeFigureOut">
               <a:rPr lang="de-CH" smtClean="0"/>
-              <a:t>14.03.2019</a:t>
+              <a:t>23.04.2019</a:t>
             </a:fld>
             <a:endParaRPr lang="de-CH"/>
           </a:p>
@@ -1830,7 +1830,7 @@
           <a:p>
             <a:fld id="{BC3AE97E-DD58-459F-B24D-F11BEFE04F43}" type="datetimeFigureOut">
               <a:rPr lang="de-CH" smtClean="0"/>
-              <a:t>14.03.2019</a:t>
+              <a:t>23.04.2019</a:t>
             </a:fld>
             <a:endParaRPr lang="de-CH"/>
           </a:p>
@@ -1972,7 +1972,7 @@
           <a:p>
             <a:fld id="{BC3AE97E-DD58-459F-B24D-F11BEFE04F43}" type="datetimeFigureOut">
               <a:rPr lang="de-CH" smtClean="0"/>
-              <a:t>14.03.2019</a:t>
+              <a:t>23.04.2019</a:t>
             </a:fld>
             <a:endParaRPr lang="de-CH"/>
           </a:p>
@@ -2085,7 +2085,7 @@
           <a:p>
             <a:fld id="{BC3AE97E-DD58-459F-B24D-F11BEFE04F43}" type="datetimeFigureOut">
               <a:rPr lang="de-CH" smtClean="0"/>
-              <a:t>14.03.2019</a:t>
+              <a:t>23.04.2019</a:t>
             </a:fld>
             <a:endParaRPr lang="de-CH"/>
           </a:p>
@@ -2398,7 +2398,7 @@
           <a:p>
             <a:fld id="{BC3AE97E-DD58-459F-B24D-F11BEFE04F43}" type="datetimeFigureOut">
               <a:rPr lang="de-CH" smtClean="0"/>
-              <a:t>14.03.2019</a:t>
+              <a:t>23.04.2019</a:t>
             </a:fld>
             <a:endParaRPr lang="de-CH"/>
           </a:p>
@@ -2687,7 +2687,7 @@
           <a:p>
             <a:fld id="{BC3AE97E-DD58-459F-B24D-F11BEFE04F43}" type="datetimeFigureOut">
               <a:rPr lang="de-CH" smtClean="0"/>
-              <a:t>14.03.2019</a:t>
+              <a:t>23.04.2019</a:t>
             </a:fld>
             <a:endParaRPr lang="de-CH"/>
           </a:p>
@@ -2930,7 +2930,7 @@
           <a:p>
             <a:fld id="{BC3AE97E-DD58-459F-B24D-F11BEFE04F43}" type="datetimeFigureOut">
               <a:rPr lang="de-CH" smtClean="0"/>
-              <a:t>14.03.2019</a:t>
+              <a:t>23.04.2019</a:t>
             </a:fld>
             <a:endParaRPr lang="de-CH"/>
           </a:p>
@@ -3362,7 +3362,7 @@
           <p:nvPr>
             <p:extLst>
               <p:ext uri="{D42A27DB-BD31-4B8C-83A1-F6EECF244321}">
-                <p14:modId xmlns:p14="http://schemas.microsoft.com/office/powerpoint/2010/main" val="4228353073"/>
+                <p14:modId xmlns:p14="http://schemas.microsoft.com/office/powerpoint/2010/main" val="2470816479"/>
               </p:ext>
             </p:extLst>
           </p:nvPr>
@@ -4309,7 +4309,7 @@
                           <a:ea typeface="+mn-ea"/>
                           <a:cs typeface="Helvetica" panose="020B0604020202020204" pitchFamily="34" charset="0"/>
                         </a:rPr>
-                        <a:t>Workshop</a:t>
+                        <a:t>Fundamentals</a:t>
                       </a:r>
                     </a:p>
                   </a:txBody>
@@ -4543,7 +4543,7 @@
                           <a:latin typeface="Helvetica" panose="020B0604020202020204" pitchFamily="34" charset="0"/>
                           <a:cs typeface="Helvetica" panose="020B0604020202020204" pitchFamily="34" charset="0"/>
                         </a:rPr>
-                        <a:t>Fundamentals</a:t>
+                        <a:t>Workshop</a:t>
                       </a:r>
                     </a:p>
                   </a:txBody>
@@ -4621,7 +4621,7 @@
                           <a:latin typeface="Helvetica" panose="020B0604020202020204" pitchFamily="34" charset="0"/>
                           <a:cs typeface="Helvetica" panose="020B0604020202020204" pitchFamily="34" charset="0"/>
                         </a:rPr>
-                        <a:t>Workshop</a:t>
+                        <a:t>Fundamentals</a:t>
                       </a:r>
                     </a:p>
                   </a:txBody>
@@ -4961,7 +4961,7 @@
                           <a:latin typeface="Helvetica" panose="020B0604020202020204" pitchFamily="34" charset="0"/>
                           <a:cs typeface="Helvetica" panose="020B0604020202020204" pitchFamily="34" charset="0"/>
                         </a:rPr>
-                        <a:t>Hack</a:t>
+                        <a:t>Closing Panel</a:t>
                       </a:r>
                     </a:p>
                   </a:txBody>

--- a/images/Schedule.pptx
+++ b/images/Schedule.pptx
@@ -261,7 +261,7 @@
           <a:p>
             <a:fld id="{BC3AE97E-DD58-459F-B24D-F11BEFE04F43}" type="datetimeFigureOut">
               <a:rPr lang="de-CH" smtClean="0"/>
-              <a:t>23.04.2019</a:t>
+              <a:t>29.04.2019</a:t>
             </a:fld>
             <a:endParaRPr lang="de-CH"/>
           </a:p>
@@ -461,7 +461,7 @@
           <a:p>
             <a:fld id="{BC3AE97E-DD58-459F-B24D-F11BEFE04F43}" type="datetimeFigureOut">
               <a:rPr lang="de-CH" smtClean="0"/>
-              <a:t>23.04.2019</a:t>
+              <a:t>29.04.2019</a:t>
             </a:fld>
             <a:endParaRPr lang="de-CH"/>
           </a:p>
@@ -671,7 +671,7 @@
           <a:p>
             <a:fld id="{BC3AE97E-DD58-459F-B24D-F11BEFE04F43}" type="datetimeFigureOut">
               <a:rPr lang="de-CH" smtClean="0"/>
-              <a:t>23.04.2019</a:t>
+              <a:t>29.04.2019</a:t>
             </a:fld>
             <a:endParaRPr lang="de-CH"/>
           </a:p>
@@ -871,7 +871,7 @@
           <a:p>
             <a:fld id="{BC3AE97E-DD58-459F-B24D-F11BEFE04F43}" type="datetimeFigureOut">
               <a:rPr lang="de-CH" smtClean="0"/>
-              <a:t>23.04.2019</a:t>
+              <a:t>29.04.2019</a:t>
             </a:fld>
             <a:endParaRPr lang="de-CH"/>
           </a:p>
@@ -1147,7 +1147,7 @@
           <a:p>
             <a:fld id="{BC3AE97E-DD58-459F-B24D-F11BEFE04F43}" type="datetimeFigureOut">
               <a:rPr lang="de-CH" smtClean="0"/>
-              <a:t>23.04.2019</a:t>
+              <a:t>29.04.2019</a:t>
             </a:fld>
             <a:endParaRPr lang="de-CH"/>
           </a:p>
@@ -1415,7 +1415,7 @@
           <a:p>
             <a:fld id="{BC3AE97E-DD58-459F-B24D-F11BEFE04F43}" type="datetimeFigureOut">
               <a:rPr lang="de-CH" smtClean="0"/>
-              <a:t>23.04.2019</a:t>
+              <a:t>29.04.2019</a:t>
             </a:fld>
             <a:endParaRPr lang="de-CH"/>
           </a:p>
@@ -1830,7 +1830,7 @@
           <a:p>
             <a:fld id="{BC3AE97E-DD58-459F-B24D-F11BEFE04F43}" type="datetimeFigureOut">
               <a:rPr lang="de-CH" smtClean="0"/>
-              <a:t>23.04.2019</a:t>
+              <a:t>29.04.2019</a:t>
             </a:fld>
             <a:endParaRPr lang="de-CH"/>
           </a:p>
@@ -1972,7 +1972,7 @@
           <a:p>
             <a:fld id="{BC3AE97E-DD58-459F-B24D-F11BEFE04F43}" type="datetimeFigureOut">
               <a:rPr lang="de-CH" smtClean="0"/>
-              <a:t>23.04.2019</a:t>
+              <a:t>29.04.2019</a:t>
             </a:fld>
             <a:endParaRPr lang="de-CH"/>
           </a:p>
@@ -2085,7 +2085,7 @@
           <a:p>
             <a:fld id="{BC3AE97E-DD58-459F-B24D-F11BEFE04F43}" type="datetimeFigureOut">
               <a:rPr lang="de-CH" smtClean="0"/>
-              <a:t>23.04.2019</a:t>
+              <a:t>29.04.2019</a:t>
             </a:fld>
             <a:endParaRPr lang="de-CH"/>
           </a:p>
@@ -2398,7 +2398,7 @@
           <a:p>
             <a:fld id="{BC3AE97E-DD58-459F-B24D-F11BEFE04F43}" type="datetimeFigureOut">
               <a:rPr lang="de-CH" smtClean="0"/>
-              <a:t>23.04.2019</a:t>
+              <a:t>29.04.2019</a:t>
             </a:fld>
             <a:endParaRPr lang="de-CH"/>
           </a:p>
@@ -2687,7 +2687,7 @@
           <a:p>
             <a:fld id="{BC3AE97E-DD58-459F-B24D-F11BEFE04F43}" type="datetimeFigureOut">
               <a:rPr lang="de-CH" smtClean="0"/>
-              <a:t>23.04.2019</a:t>
+              <a:t>29.04.2019</a:t>
             </a:fld>
             <a:endParaRPr lang="de-CH"/>
           </a:p>
@@ -2930,7 +2930,7 @@
           <a:p>
             <a:fld id="{BC3AE97E-DD58-459F-B24D-F11BEFE04F43}" type="datetimeFigureOut">
               <a:rPr lang="de-CH" smtClean="0"/>
-              <a:t>23.04.2019</a:t>
+              <a:t>29.04.2019</a:t>
             </a:fld>
             <a:endParaRPr lang="de-CH"/>
           </a:p>
@@ -3362,7 +3362,7 @@
           <p:nvPr>
             <p:extLst>
               <p:ext uri="{D42A27DB-BD31-4B8C-83A1-F6EECF244321}">
-                <p14:modId xmlns:p14="http://schemas.microsoft.com/office/powerpoint/2010/main" val="2470816479"/>
+                <p14:modId xmlns:p14="http://schemas.microsoft.com/office/powerpoint/2010/main" val="1936803338"/>
               </p:ext>
             </p:extLst>
           </p:nvPr>
@@ -4621,8 +4621,25 @@
                           <a:latin typeface="Helvetica" panose="020B0604020202020204" pitchFamily="34" charset="0"/>
                           <a:cs typeface="Helvetica" panose="020B0604020202020204" pitchFamily="34" charset="0"/>
                         </a:rPr>
-                        <a:t>Fundamentals</a:t>
+                        <a:t>Company </a:t>
                       </a:r>
+                      <a:r>
+                        <a:rPr lang="de-CH" sz="1200" spc="150" baseline="0" dirty="0" err="1">
+                          <a:solidFill>
+                            <a:srgbClr val="666666"/>
+                          </a:solidFill>
+                          <a:latin typeface="Helvetica" panose="020B0604020202020204" pitchFamily="34" charset="0"/>
+                          <a:cs typeface="Helvetica" panose="020B0604020202020204" pitchFamily="34" charset="0"/>
+                        </a:rPr>
+                        <a:t>visit</a:t>
+                      </a:r>
+                      <a:endParaRPr lang="de-CH" sz="1200" spc="150" baseline="0" dirty="0">
+                        <a:solidFill>
+                          <a:srgbClr val="666666"/>
+                        </a:solidFill>
+                        <a:latin typeface="Helvetica" panose="020B0604020202020204" pitchFamily="34" charset="0"/>
+                        <a:cs typeface="Helvetica" panose="020B0604020202020204" pitchFamily="34" charset="0"/>
+                      </a:endParaRPr>
                     </a:p>
                   </a:txBody>
                   <a:tcPr anchor="ctr">

--- a/images/Schedule.pptx
+++ b/images/Schedule.pptx
@@ -261,7 +261,7 @@
           <a:p>
             <a:fld id="{BC3AE97E-DD58-459F-B24D-F11BEFE04F43}" type="datetimeFigureOut">
               <a:rPr lang="de-CH" smtClean="0"/>
-              <a:t>29.04.2019</a:t>
+              <a:t>06.05.2019</a:t>
             </a:fld>
             <a:endParaRPr lang="de-CH"/>
           </a:p>
@@ -461,7 +461,7 @@
           <a:p>
             <a:fld id="{BC3AE97E-DD58-459F-B24D-F11BEFE04F43}" type="datetimeFigureOut">
               <a:rPr lang="de-CH" smtClean="0"/>
-              <a:t>29.04.2019</a:t>
+              <a:t>06.05.2019</a:t>
             </a:fld>
             <a:endParaRPr lang="de-CH"/>
           </a:p>
@@ -671,7 +671,7 @@
           <a:p>
             <a:fld id="{BC3AE97E-DD58-459F-B24D-F11BEFE04F43}" type="datetimeFigureOut">
               <a:rPr lang="de-CH" smtClean="0"/>
-              <a:t>29.04.2019</a:t>
+              <a:t>06.05.2019</a:t>
             </a:fld>
             <a:endParaRPr lang="de-CH"/>
           </a:p>
@@ -871,7 +871,7 @@
           <a:p>
             <a:fld id="{BC3AE97E-DD58-459F-B24D-F11BEFE04F43}" type="datetimeFigureOut">
               <a:rPr lang="de-CH" smtClean="0"/>
-              <a:t>29.04.2019</a:t>
+              <a:t>06.05.2019</a:t>
             </a:fld>
             <a:endParaRPr lang="de-CH"/>
           </a:p>
@@ -1147,7 +1147,7 @@
           <a:p>
             <a:fld id="{BC3AE97E-DD58-459F-B24D-F11BEFE04F43}" type="datetimeFigureOut">
               <a:rPr lang="de-CH" smtClean="0"/>
-              <a:t>29.04.2019</a:t>
+              <a:t>06.05.2019</a:t>
             </a:fld>
             <a:endParaRPr lang="de-CH"/>
           </a:p>
@@ -1415,7 +1415,7 @@
           <a:p>
             <a:fld id="{BC3AE97E-DD58-459F-B24D-F11BEFE04F43}" type="datetimeFigureOut">
               <a:rPr lang="de-CH" smtClean="0"/>
-              <a:t>29.04.2019</a:t>
+              <a:t>06.05.2019</a:t>
             </a:fld>
             <a:endParaRPr lang="de-CH"/>
           </a:p>
@@ -1830,7 +1830,7 @@
           <a:p>
             <a:fld id="{BC3AE97E-DD58-459F-B24D-F11BEFE04F43}" type="datetimeFigureOut">
               <a:rPr lang="de-CH" smtClean="0"/>
-              <a:t>29.04.2019</a:t>
+              <a:t>06.05.2019</a:t>
             </a:fld>
             <a:endParaRPr lang="de-CH"/>
           </a:p>
@@ -1972,7 +1972,7 @@
           <a:p>
             <a:fld id="{BC3AE97E-DD58-459F-B24D-F11BEFE04F43}" type="datetimeFigureOut">
               <a:rPr lang="de-CH" smtClean="0"/>
-              <a:t>29.04.2019</a:t>
+              <a:t>06.05.2019</a:t>
             </a:fld>
             <a:endParaRPr lang="de-CH"/>
           </a:p>
@@ -2085,7 +2085,7 @@
           <a:p>
             <a:fld id="{BC3AE97E-DD58-459F-B24D-F11BEFE04F43}" type="datetimeFigureOut">
               <a:rPr lang="de-CH" smtClean="0"/>
-              <a:t>29.04.2019</a:t>
+              <a:t>06.05.2019</a:t>
             </a:fld>
             <a:endParaRPr lang="de-CH"/>
           </a:p>
@@ -2398,7 +2398,7 @@
           <a:p>
             <a:fld id="{BC3AE97E-DD58-459F-B24D-F11BEFE04F43}" type="datetimeFigureOut">
               <a:rPr lang="de-CH" smtClean="0"/>
-              <a:t>29.04.2019</a:t>
+              <a:t>06.05.2019</a:t>
             </a:fld>
             <a:endParaRPr lang="de-CH"/>
           </a:p>
@@ -2687,7 +2687,7 @@
           <a:p>
             <a:fld id="{BC3AE97E-DD58-459F-B24D-F11BEFE04F43}" type="datetimeFigureOut">
               <a:rPr lang="de-CH" smtClean="0"/>
-              <a:t>29.04.2019</a:t>
+              <a:t>06.05.2019</a:t>
             </a:fld>
             <a:endParaRPr lang="de-CH"/>
           </a:p>
@@ -2930,7 +2930,7 @@
           <a:p>
             <a:fld id="{BC3AE97E-DD58-459F-B24D-F11BEFE04F43}" type="datetimeFigureOut">
               <a:rPr lang="de-CH" smtClean="0"/>
-              <a:t>29.04.2019</a:t>
+              <a:t>06.05.2019</a:t>
             </a:fld>
             <a:endParaRPr lang="de-CH"/>
           </a:p>
@@ -3362,14 +3362,14 @@
           <p:nvPr>
             <p:extLst>
               <p:ext uri="{D42A27DB-BD31-4B8C-83A1-F6EECF244321}">
-                <p14:modId xmlns:p14="http://schemas.microsoft.com/office/powerpoint/2010/main" val="1936803338"/>
+                <p14:modId xmlns:p14="http://schemas.microsoft.com/office/powerpoint/2010/main" val="1065639827"/>
               </p:ext>
             </p:extLst>
           </p:nvPr>
         </p:nvGraphicFramePr>
         <p:xfrm>
           <a:off x="1411111" y="1346200"/>
-          <a:ext cx="9123048" cy="2669605"/>
+          <a:ext cx="9123048" cy="2726310"/>
         </p:xfrm>
         <a:graphic>
           <a:graphicData uri="http://schemas.openxmlformats.org/drawingml/2006/table">
@@ -3880,7 +3880,24 @@
                     <a:p>
                       <a:pPr algn="r">
                         <a:lnSpc>
-                          <a:spcPct val="200000"/>
+                          <a:spcPct val="100000"/>
+                        </a:lnSpc>
+                      </a:pPr>
+                      <a:r>
+                        <a:rPr lang="de-CH" sz="1200" spc="150" baseline="0" dirty="0">
+                          <a:solidFill>
+                            <a:srgbClr val="666666"/>
+                          </a:solidFill>
+                          <a:latin typeface="Helvetica" panose="020B0604020202020204" pitchFamily="34" charset="0"/>
+                          <a:cs typeface="Helvetica" panose="020B0604020202020204" pitchFamily="34" charset="0"/>
+                        </a:rPr>
+                        <a:t>(evening)</a:t>
+                      </a:r>
+                    </a:p>
+                    <a:p>
+                      <a:pPr algn="r">
+                        <a:lnSpc>
+                          <a:spcPct val="100000"/>
                         </a:lnSpc>
                       </a:pPr>
                       <a:r>
